--- a/doc/tex/sdf/simplified_coherent_receiver/figures/Single Polarization Tx.pptx
+++ b/doc/tex/sdf/simplified_coherent_receiver/figures/Single Polarization Tx.pptx
@@ -243,7 +243,7 @@
           <a:p>
             <a:fld id="{BBEA5209-9876-4E05-9D10-09D3A401A5DA}" type="datetimeFigureOut">
               <a:rPr lang="en-US" smtClean="0"/>
-              <a:t>8/24/2017</a:t>
+              <a:t>8/25/2017</a:t>
             </a:fld>
             <a:endParaRPr lang="en-US"/>
           </a:p>
@@ -413,7 +413,7 @@
           <a:p>
             <a:fld id="{BBEA5209-9876-4E05-9D10-09D3A401A5DA}" type="datetimeFigureOut">
               <a:rPr lang="en-US" smtClean="0"/>
-              <a:t>8/24/2017</a:t>
+              <a:t>8/25/2017</a:t>
             </a:fld>
             <a:endParaRPr lang="en-US"/>
           </a:p>
@@ -593,7 +593,7 @@
           <a:p>
             <a:fld id="{BBEA5209-9876-4E05-9D10-09D3A401A5DA}" type="datetimeFigureOut">
               <a:rPr lang="en-US" smtClean="0"/>
-              <a:t>8/24/2017</a:t>
+              <a:t>8/25/2017</a:t>
             </a:fld>
             <a:endParaRPr lang="en-US"/>
           </a:p>
@@ -763,7 +763,7 @@
           <a:p>
             <a:fld id="{BBEA5209-9876-4E05-9D10-09D3A401A5DA}" type="datetimeFigureOut">
               <a:rPr lang="en-US" smtClean="0"/>
-              <a:t>8/24/2017</a:t>
+              <a:t>8/25/2017</a:t>
             </a:fld>
             <a:endParaRPr lang="en-US"/>
           </a:p>
@@ -1009,7 +1009,7 @@
           <a:p>
             <a:fld id="{BBEA5209-9876-4E05-9D10-09D3A401A5DA}" type="datetimeFigureOut">
               <a:rPr lang="en-US" smtClean="0"/>
-              <a:t>8/24/2017</a:t>
+              <a:t>8/25/2017</a:t>
             </a:fld>
             <a:endParaRPr lang="en-US"/>
           </a:p>
@@ -1241,7 +1241,7 @@
           <a:p>
             <a:fld id="{BBEA5209-9876-4E05-9D10-09D3A401A5DA}" type="datetimeFigureOut">
               <a:rPr lang="en-US" smtClean="0"/>
-              <a:t>8/24/2017</a:t>
+              <a:t>8/25/2017</a:t>
             </a:fld>
             <a:endParaRPr lang="en-US"/>
           </a:p>
@@ -1608,7 +1608,7 @@
           <a:p>
             <a:fld id="{BBEA5209-9876-4E05-9D10-09D3A401A5DA}" type="datetimeFigureOut">
               <a:rPr lang="en-US" smtClean="0"/>
-              <a:t>8/24/2017</a:t>
+              <a:t>8/25/2017</a:t>
             </a:fld>
             <a:endParaRPr lang="en-US"/>
           </a:p>
@@ -1726,7 +1726,7 @@
           <a:p>
             <a:fld id="{BBEA5209-9876-4E05-9D10-09D3A401A5DA}" type="datetimeFigureOut">
               <a:rPr lang="en-US" smtClean="0"/>
-              <a:t>8/24/2017</a:t>
+              <a:t>8/25/2017</a:t>
             </a:fld>
             <a:endParaRPr lang="en-US"/>
           </a:p>
@@ -1821,7 +1821,7 @@
           <a:p>
             <a:fld id="{BBEA5209-9876-4E05-9D10-09D3A401A5DA}" type="datetimeFigureOut">
               <a:rPr lang="en-US" smtClean="0"/>
-              <a:t>8/24/2017</a:t>
+              <a:t>8/25/2017</a:t>
             </a:fld>
             <a:endParaRPr lang="en-US"/>
           </a:p>
@@ -2098,7 +2098,7 @@
           <a:p>
             <a:fld id="{BBEA5209-9876-4E05-9D10-09D3A401A5DA}" type="datetimeFigureOut">
               <a:rPr lang="en-US" smtClean="0"/>
-              <a:t>8/24/2017</a:t>
+              <a:t>8/25/2017</a:t>
             </a:fld>
             <a:endParaRPr lang="en-US"/>
           </a:p>
@@ -2351,7 +2351,7 @@
           <a:p>
             <a:fld id="{BBEA5209-9876-4E05-9D10-09D3A401A5DA}" type="datetimeFigureOut">
               <a:rPr lang="en-US" smtClean="0"/>
-              <a:t>8/24/2017</a:t>
+              <a:t>8/25/2017</a:t>
             </a:fld>
             <a:endParaRPr lang="en-US"/>
           </a:p>
@@ -2564,7 +2564,7 @@
           <a:p>
             <a:fld id="{BBEA5209-9876-4E05-9D10-09D3A401A5DA}" type="datetimeFigureOut">
               <a:rPr lang="en-US" smtClean="0"/>
-              <a:t>8/24/2017</a:t>
+              <a:t>8/25/2017</a:t>
             </a:fld>
             <a:endParaRPr lang="en-US"/>
           </a:p>
@@ -2955,6 +2955,14 @@
 <file path=ppt/slides/slide1.xml><?xml version="1.0" encoding="utf-8"?>
 <p:sld xmlns:a="http://schemas.openxmlformats.org/drawingml/2006/main" xmlns:r="http://schemas.openxmlformats.org/officeDocument/2006/relationships" xmlns:p="http://schemas.openxmlformats.org/presentationml/2006/main">
   <p:cSld>
+    <p:bg>
+      <p:bgPr>
+        <a:solidFill>
+          <a:schemeClr val="bg1"/>
+        </a:solidFill>
+        <a:effectLst/>
+      </p:bgPr>
+    </p:bg>
     <p:spTree>
       <p:nvGrpSpPr>
         <p:cNvPr id="1" name=""/>
@@ -2969,52 +2977,6 @@
           <a:chExt cx="0" cy="0"/>
         </a:xfrm>
       </p:grpSpPr>
-      <p:sp>
-        <p:nvSpPr>
-          <p:cNvPr id="20" name="Rectangle 19"/>
-          <p:cNvSpPr/>
-          <p:nvPr/>
-        </p:nvSpPr>
-        <p:spPr>
-          <a:xfrm>
-            <a:off x="93135" y="6332965"/>
-            <a:ext cx="990977" cy="461665"/>
-          </a:xfrm>
-          <a:prstGeom prst="rect">
-            <a:avLst/>
-          </a:prstGeom>
-        </p:spPr>
-        <p:txBody>
-          <a:bodyPr wrap="none">
-            <a:spAutoFit/>
-          </a:bodyPr>
-          <a:lstStyle/>
-          <a:p>
-            <a:pPr algn="ctr"/>
-            <a:r>
-              <a:rPr lang="en-US" sz="1200" b="1" dirty="0" smtClean="0">
-                <a:latin typeface="Times New Roman" panose="02020603050405020304" pitchFamily="18" charset="0"/>
-                <a:cs typeface="Times New Roman" panose="02020603050405020304" pitchFamily="18" charset="0"/>
-              </a:rPr>
-              <a:t>Polarization</a:t>
-            </a:r>
-          </a:p>
-          <a:p>
-            <a:pPr algn="ctr"/>
-            <a:r>
-              <a:rPr lang="en-US" sz="1200" b="1" dirty="0" smtClean="0">
-                <a:latin typeface="Times New Roman" panose="02020603050405020304" pitchFamily="18" charset="0"/>
-                <a:cs typeface="Times New Roman" panose="02020603050405020304" pitchFamily="18" charset="0"/>
-              </a:rPr>
-              <a:t> Controller</a:t>
-            </a:r>
-            <a:endParaRPr lang="en-US" sz="1200" b="1" dirty="0">
-              <a:latin typeface="Times New Roman" panose="02020603050405020304" pitchFamily="18" charset="0"/>
-              <a:cs typeface="Times New Roman" panose="02020603050405020304" pitchFamily="18" charset="0"/>
-            </a:endParaRPr>
-          </a:p>
-        </p:txBody>
-      </p:sp>
       <p:pic>
         <p:nvPicPr>
           <p:cNvPr id="4" name="Picture 3"/>
@@ -3037,7 +2999,7 @@
         </p:blipFill>
         <p:spPr>
           <a:xfrm>
-            <a:off x="509040" y="1189451"/>
+            <a:off x="645772" y="2454229"/>
             <a:ext cx="1303221" cy="973612"/>
           </a:xfrm>
           <a:prstGeom prst="rect">
@@ -3067,7 +3029,7 @@
         </p:blipFill>
         <p:spPr>
           <a:xfrm flipH="1">
-            <a:off x="2417479" y="1439074"/>
+            <a:off x="2554211" y="2703852"/>
             <a:ext cx="991312" cy="474365"/>
           </a:xfrm>
           <a:prstGeom prst="rect">
@@ -3086,7 +3048,7 @@
         </p:nvCxnSpPr>
         <p:spPr>
           <a:xfrm>
-            <a:off x="1812261" y="1676257"/>
+            <a:off x="1948993" y="2941035"/>
             <a:ext cx="605218" cy="0"/>
           </a:xfrm>
           <a:prstGeom prst="line">
@@ -3121,7 +3083,7 @@
         </p:nvSpPr>
         <p:spPr>
           <a:xfrm>
-            <a:off x="784469" y="827134"/>
+            <a:off x="921201" y="2091912"/>
             <a:ext cx="758541" cy="369332"/>
           </a:xfrm>
           <a:prstGeom prst="rect">
@@ -3151,7 +3113,7 @@
         </p:nvSpPr>
         <p:spPr>
           <a:xfrm>
-            <a:off x="2467115" y="827134"/>
+            <a:off x="2603847" y="2091912"/>
             <a:ext cx="892039" cy="369332"/>
           </a:xfrm>
           <a:prstGeom prst="rect">
@@ -3173,114 +3135,18 @@
           </a:p>
         </p:txBody>
       </p:sp>
-      <p:pic>
-        <p:nvPicPr>
-          <p:cNvPr id="21" name="Picture 20"/>
-          <p:cNvPicPr>
-            <a:picLocks noChangeAspect="1"/>
-          </p:cNvPicPr>
-          <p:nvPr/>
-        </p:nvPicPr>
-        <p:blipFill>
-          <a:blip r:embed="rId4" cstate="print">
-            <a:extLst>
-              <a:ext uri="{28A0092B-C50C-407E-A947-70E740481C1C}">
-                <a14:useLocalDpi xmlns:a14="http://schemas.microsoft.com/office/drawing/2010/main" val="0"/>
-              </a:ext>
-            </a:extLst>
-          </a:blip>
-          <a:stretch>
-            <a:fillRect/>
-          </a:stretch>
-        </p:blipFill>
-        <p:spPr>
-          <a:xfrm>
-            <a:off x="4014009" y="1372879"/>
-            <a:ext cx="606754" cy="606754"/>
-          </a:xfrm>
-          <a:prstGeom prst="rect">
-            <a:avLst/>
-          </a:prstGeom>
-        </p:spPr>
-      </p:pic>
       <p:cxnSp>
         <p:nvCxnSpPr>
           <p:cNvPr id="72" name="Straight Connector 71"/>
           <p:cNvCxnSpPr>
             <a:stCxn id="9" idx="1"/>
-            <a:endCxn id="21" idx="1"/>
           </p:cNvCxnSpPr>
           <p:nvPr/>
         </p:nvCxnSpPr>
         <p:spPr>
           <a:xfrm flipV="1">
-            <a:off x="3408791" y="1676256"/>
-            <a:ext cx="605218" cy="1"/>
-          </a:xfrm>
-          <a:prstGeom prst="line">
-            <a:avLst/>
-          </a:prstGeom>
-          <a:ln>
-            <a:solidFill>
-              <a:srgbClr val="FF0000"/>
-            </a:solidFill>
-          </a:ln>
-        </p:spPr>
-        <p:style>
-          <a:lnRef idx="3">
-            <a:schemeClr val="accent2"/>
-          </a:lnRef>
-          <a:fillRef idx="0">
-            <a:schemeClr val="accent2"/>
-          </a:fillRef>
-          <a:effectRef idx="2">
-            <a:schemeClr val="accent2"/>
-          </a:effectRef>
-          <a:fontRef idx="minor">
-            <a:schemeClr val="tx1"/>
-          </a:fontRef>
-        </p:style>
-      </p:cxnSp>
-      <p:sp>
-        <p:nvSpPr>
-          <p:cNvPr id="74" name="TextBox 73"/>
-          <p:cNvSpPr txBox="1"/>
-          <p:nvPr/>
-        </p:nvSpPr>
-        <p:spPr>
-          <a:xfrm>
-            <a:off x="3592345" y="827134"/>
-            <a:ext cx="1450077" cy="369332"/>
-          </a:xfrm>
-          <a:prstGeom prst="rect">
-            <a:avLst/>
-          </a:prstGeom>
-          <a:noFill/>
-        </p:spPr>
-        <p:txBody>
-          <a:bodyPr wrap="none" rtlCol="0">
-            <a:spAutoFit/>
-          </a:bodyPr>
-          <a:lstStyle/>
-          <a:p>
-            <a:r>
-              <a:rPr lang="en-US" dirty="0" smtClean="0"/>
-              <a:t>Beam Splitter</a:t>
-            </a:r>
-            <a:endParaRPr lang="en-US" dirty="0"/>
-          </a:p>
-        </p:txBody>
-      </p:sp>
-      <p:cxnSp>
-        <p:nvCxnSpPr>
-          <p:cNvPr id="79" name="Straight Connector 78"/>
-          <p:cNvCxnSpPr/>
-          <p:nvPr/>
-        </p:nvCxnSpPr>
-        <p:spPr>
-          <a:xfrm flipV="1">
-            <a:off x="3408791" y="161781"/>
-            <a:ext cx="605218" cy="1"/>
+            <a:off x="3545523" y="2941034"/>
+            <a:ext cx="710282" cy="1"/>
           </a:xfrm>
           <a:prstGeom prst="line">
             <a:avLst/>
@@ -3308,13 +3174,13 @@
       </p:cxnSp>
       <p:cxnSp>
         <p:nvCxnSpPr>
-          <p:cNvPr id="80" name="Straight Connector 79"/>
+          <p:cNvPr id="79" name="Straight Connector 78"/>
           <p:cNvCxnSpPr/>
           <p:nvPr/>
         </p:nvCxnSpPr>
         <p:spPr>
           <a:xfrm flipV="1">
-            <a:off x="4619227" y="1676256"/>
+            <a:off x="4859061" y="2941031"/>
             <a:ext cx="605218" cy="1"/>
           </a:xfrm>
           <a:prstGeom prst="line">
@@ -3341,89 +3207,6 @@
           </a:fontRef>
         </p:style>
       </p:cxnSp>
-      <p:cxnSp>
-        <p:nvCxnSpPr>
-          <p:cNvPr id="81" name="Straight Connector 80"/>
-          <p:cNvCxnSpPr/>
-          <p:nvPr/>
-        </p:nvCxnSpPr>
-        <p:spPr>
-          <a:xfrm rot="16200000" flipV="1">
-            <a:off x="4014776" y="2282241"/>
-            <a:ext cx="605218" cy="1"/>
-          </a:xfrm>
-          <a:prstGeom prst="line">
-            <a:avLst/>
-          </a:prstGeom>
-          <a:ln>
-            <a:solidFill>
-              <a:srgbClr val="FF0000"/>
-            </a:solidFill>
-          </a:ln>
-        </p:spPr>
-        <p:style>
-          <a:lnRef idx="3">
-            <a:schemeClr val="accent2"/>
-          </a:lnRef>
-          <a:fillRef idx="0">
-            <a:schemeClr val="accent2"/>
-          </a:fillRef>
-          <a:effectRef idx="2">
-            <a:schemeClr val="accent2"/>
-          </a:effectRef>
-          <a:fontRef idx="minor">
-            <a:schemeClr val="tx1"/>
-          </a:fontRef>
-        </p:style>
-      </p:cxnSp>
-      <p:sp>
-        <p:nvSpPr>
-          <p:cNvPr id="29" name="Oval 28"/>
-          <p:cNvSpPr/>
-          <p:nvPr/>
-        </p:nvSpPr>
-        <p:spPr>
-          <a:xfrm>
-            <a:off x="4218649" y="2584851"/>
-            <a:ext cx="197467" cy="215499"/>
-          </a:xfrm>
-          <a:prstGeom prst="ellipse">
-            <a:avLst/>
-          </a:prstGeom>
-          <a:solidFill>
-            <a:srgbClr val="FF0000"/>
-          </a:solidFill>
-          <a:ln>
-            <a:solidFill>
-              <a:srgbClr val="FF0000"/>
-            </a:solidFill>
-          </a:ln>
-        </p:spPr>
-        <p:style>
-          <a:lnRef idx="2">
-            <a:schemeClr val="accent1">
-              <a:shade val="50000"/>
-            </a:schemeClr>
-          </a:lnRef>
-          <a:fillRef idx="1">
-            <a:schemeClr val="accent1"/>
-          </a:fillRef>
-          <a:effectRef idx="0">
-            <a:schemeClr val="accent1"/>
-          </a:effectRef>
-          <a:fontRef idx="minor">
-            <a:schemeClr val="lt1"/>
-          </a:fontRef>
-        </p:style>
-        <p:txBody>
-          <a:bodyPr rtlCol="0" anchor="ctr"/>
-          <a:lstStyle/>
-          <a:p>
-            <a:pPr algn="ctr"/>
-            <a:endParaRPr lang="en-US"/>
-          </a:p>
-        </p:txBody>
-      </p:sp>
       <p:grpSp>
         <p:nvGrpSpPr>
           <p:cNvPr id="38" name="Group 37"/>
@@ -3432,7 +3215,7 @@
         </p:nvGrpSpPr>
         <p:grpSpPr>
           <a:xfrm>
-            <a:off x="286014" y="6125676"/>
+            <a:off x="4253843" y="2743155"/>
             <a:ext cx="605218" cy="197879"/>
             <a:chOff x="1497855" y="5388767"/>
             <a:chExt cx="605218" cy="197879"/>
@@ -3602,6 +3385,471 @@
           </p:style>
         </p:cxnSp>
       </p:grpSp>
+      <p:sp>
+        <p:nvSpPr>
+          <p:cNvPr id="24" name="TextBox 23"/>
+          <p:cNvSpPr txBox="1"/>
+          <p:nvPr/>
+        </p:nvSpPr>
+        <p:spPr>
+          <a:xfrm>
+            <a:off x="3886717" y="1953412"/>
+            <a:ext cx="1339469" cy="646331"/>
+          </a:xfrm>
+          <a:prstGeom prst="rect">
+            <a:avLst/>
+          </a:prstGeom>
+          <a:noFill/>
+        </p:spPr>
+        <p:txBody>
+          <a:bodyPr wrap="none" rtlCol="0">
+            <a:spAutoFit/>
+          </a:bodyPr>
+          <a:lstStyle/>
+          <a:p>
+            <a:pPr algn="ctr"/>
+            <a:r>
+              <a:rPr lang="en-US" dirty="0" smtClean="0"/>
+              <a:t>Polarization </a:t>
+            </a:r>
+          </a:p>
+          <a:p>
+            <a:pPr algn="ctr"/>
+            <a:r>
+              <a:rPr lang="en-US" dirty="0" smtClean="0"/>
+              <a:t>Controller</a:t>
+            </a:r>
+            <a:endParaRPr lang="en-US" dirty="0"/>
+          </a:p>
+        </p:txBody>
+      </p:sp>
+      <p:pic>
+        <p:nvPicPr>
+          <p:cNvPr id="6" name="Picture 5"/>
+          <p:cNvPicPr>
+            <a:picLocks noChangeAspect="1"/>
+          </p:cNvPicPr>
+          <p:nvPr/>
+        </p:nvPicPr>
+        <p:blipFill>
+          <a:blip r:embed="rId4" cstate="print">
+            <a:extLst>
+              <a:ext uri="{28A0092B-C50C-407E-A947-70E740481C1C}">
+                <a14:useLocalDpi xmlns:a14="http://schemas.microsoft.com/office/drawing/2010/main" val="0"/>
+              </a:ext>
+            </a:extLst>
+          </a:blip>
+          <a:stretch>
+            <a:fillRect/>
+          </a:stretch>
+        </p:blipFill>
+        <p:spPr>
+          <a:xfrm>
+            <a:off x="5284572" y="1881798"/>
+            <a:ext cx="2300850" cy="2118466"/>
+          </a:xfrm>
+          <a:prstGeom prst="rect">
+            <a:avLst/>
+          </a:prstGeom>
+        </p:spPr>
+      </p:pic>
+      <p:sp>
+        <p:nvSpPr>
+          <p:cNvPr id="45" name="TextBox 44"/>
+          <p:cNvSpPr txBox="1"/>
+          <p:nvPr/>
+        </p:nvSpPr>
+        <p:spPr>
+          <a:xfrm>
+            <a:off x="8852312" y="1807898"/>
+            <a:ext cx="660758" cy="646331"/>
+          </a:xfrm>
+          <a:prstGeom prst="rect">
+            <a:avLst/>
+          </a:prstGeom>
+          <a:noFill/>
+        </p:spPr>
+        <p:txBody>
+          <a:bodyPr wrap="none" rtlCol="0">
+            <a:spAutoFit/>
+          </a:bodyPr>
+          <a:lstStyle/>
+          <a:p>
+            <a:pPr algn="ctr"/>
+            <a:r>
+              <a:rPr lang="en-US" dirty="0" smtClean="0"/>
+              <a:t>Fiber</a:t>
+            </a:r>
+          </a:p>
+          <a:p>
+            <a:pPr algn="ctr"/>
+            <a:r>
+              <a:rPr lang="en-US" dirty="0" smtClean="0"/>
+              <a:t>Loop</a:t>
+            </a:r>
+            <a:endParaRPr lang="en-US" dirty="0"/>
+          </a:p>
+        </p:txBody>
+      </p:sp>
+      <p:cxnSp>
+        <p:nvCxnSpPr>
+          <p:cNvPr id="46" name="Straight Connector 45"/>
+          <p:cNvCxnSpPr/>
+          <p:nvPr/>
+        </p:nvCxnSpPr>
+        <p:spPr>
+          <a:xfrm flipV="1">
+            <a:off x="7283688" y="2941031"/>
+            <a:ext cx="754424" cy="2"/>
+          </a:xfrm>
+          <a:prstGeom prst="line">
+            <a:avLst/>
+          </a:prstGeom>
+          <a:ln>
+            <a:solidFill>
+              <a:srgbClr val="FF0000"/>
+            </a:solidFill>
+          </a:ln>
+        </p:spPr>
+        <p:style>
+          <a:lnRef idx="3">
+            <a:schemeClr val="accent2"/>
+          </a:lnRef>
+          <a:fillRef idx="0">
+            <a:schemeClr val="accent2"/>
+          </a:fillRef>
+          <a:effectRef idx="2">
+            <a:schemeClr val="accent2"/>
+          </a:effectRef>
+          <a:fontRef idx="minor">
+            <a:schemeClr val="tx1"/>
+          </a:fontRef>
+        </p:style>
+      </p:cxnSp>
+      <p:grpSp>
+        <p:nvGrpSpPr>
+          <p:cNvPr id="35" name="Group 34"/>
+          <p:cNvGrpSpPr/>
+          <p:nvPr/>
+        </p:nvGrpSpPr>
+        <p:grpSpPr>
+          <a:xfrm>
+            <a:off x="8765357" y="2488593"/>
+            <a:ext cx="840581" cy="452438"/>
+            <a:chOff x="9200668" y="2800350"/>
+            <a:chExt cx="840581" cy="452438"/>
+          </a:xfrm>
+        </p:grpSpPr>
+        <p:sp>
+          <p:nvSpPr>
+            <p:cNvPr id="28" name="Oval 27"/>
+            <p:cNvSpPr/>
+            <p:nvPr/>
+          </p:nvSpPr>
+          <p:spPr>
+            <a:xfrm>
+              <a:off x="9296400" y="2800350"/>
+              <a:ext cx="469106" cy="452438"/>
+            </a:xfrm>
+            <a:prstGeom prst="ellipse">
+              <a:avLst/>
+            </a:prstGeom>
+            <a:solidFill>
+              <a:schemeClr val="lt1">
+                <a:alpha val="0"/>
+              </a:schemeClr>
+            </a:solidFill>
+            <a:ln w="38100"/>
+          </p:spPr>
+          <p:style>
+            <a:lnRef idx="2">
+              <a:schemeClr val="dk1"/>
+            </a:lnRef>
+            <a:fillRef idx="1">
+              <a:schemeClr val="lt1"/>
+            </a:fillRef>
+            <a:effectRef idx="0">
+              <a:schemeClr val="dk1"/>
+            </a:effectRef>
+            <a:fontRef idx="minor">
+              <a:schemeClr val="dk1"/>
+            </a:fontRef>
+          </p:style>
+          <p:txBody>
+            <a:bodyPr rtlCol="0" anchor="ctr"/>
+            <a:lstStyle/>
+            <a:p>
+              <a:pPr algn="ctr"/>
+              <a:endParaRPr lang="en-US"/>
+            </a:p>
+          </p:txBody>
+        </p:sp>
+        <p:sp>
+          <p:nvSpPr>
+            <p:cNvPr id="52" name="Oval 51"/>
+            <p:cNvSpPr/>
+            <p:nvPr/>
+          </p:nvSpPr>
+          <p:spPr>
+            <a:xfrm>
+              <a:off x="9376960" y="2800350"/>
+              <a:ext cx="482085" cy="452438"/>
+            </a:xfrm>
+            <a:prstGeom prst="ellipse">
+              <a:avLst/>
+            </a:prstGeom>
+            <a:solidFill>
+              <a:schemeClr val="lt1">
+                <a:alpha val="0"/>
+              </a:schemeClr>
+            </a:solidFill>
+            <a:ln w="38100"/>
+          </p:spPr>
+          <p:style>
+            <a:lnRef idx="2">
+              <a:schemeClr val="dk1"/>
+            </a:lnRef>
+            <a:fillRef idx="1">
+              <a:schemeClr val="lt1"/>
+            </a:fillRef>
+            <a:effectRef idx="0">
+              <a:schemeClr val="dk1"/>
+            </a:effectRef>
+            <a:fontRef idx="minor">
+              <a:schemeClr val="dk1"/>
+            </a:fontRef>
+          </p:style>
+          <p:txBody>
+            <a:bodyPr rtlCol="0" anchor="ctr"/>
+            <a:lstStyle/>
+            <a:p>
+              <a:pPr algn="ctr"/>
+              <a:endParaRPr lang="en-US"/>
+            </a:p>
+          </p:txBody>
+        </p:sp>
+        <p:sp>
+          <p:nvSpPr>
+            <p:cNvPr id="53" name="Oval 52"/>
+            <p:cNvSpPr/>
+            <p:nvPr/>
+          </p:nvSpPr>
+          <p:spPr>
+            <a:xfrm>
+              <a:off x="9462923" y="2800350"/>
+              <a:ext cx="469106" cy="452438"/>
+            </a:xfrm>
+            <a:prstGeom prst="ellipse">
+              <a:avLst/>
+            </a:prstGeom>
+            <a:solidFill>
+              <a:schemeClr val="lt1">
+                <a:alpha val="0"/>
+              </a:schemeClr>
+            </a:solidFill>
+            <a:ln w="38100"/>
+          </p:spPr>
+          <p:style>
+            <a:lnRef idx="2">
+              <a:schemeClr val="dk1"/>
+            </a:lnRef>
+            <a:fillRef idx="1">
+              <a:schemeClr val="lt1"/>
+            </a:fillRef>
+            <a:effectRef idx="0">
+              <a:schemeClr val="dk1"/>
+            </a:effectRef>
+            <a:fontRef idx="minor">
+              <a:schemeClr val="dk1"/>
+            </a:fontRef>
+          </p:style>
+          <p:txBody>
+            <a:bodyPr rtlCol="0" anchor="ctr"/>
+            <a:lstStyle/>
+            <a:p>
+              <a:pPr algn="ctr"/>
+              <a:endParaRPr lang="en-US"/>
+            </a:p>
+          </p:txBody>
+        </p:sp>
+        <p:cxnSp>
+          <p:nvCxnSpPr>
+            <p:cNvPr id="54" name="Straight Connector 53"/>
+            <p:cNvCxnSpPr/>
+            <p:nvPr/>
+          </p:nvCxnSpPr>
+          <p:spPr>
+            <a:xfrm>
+              <a:off x="9200668" y="3252788"/>
+              <a:ext cx="840581" cy="0"/>
+            </a:xfrm>
+            <a:prstGeom prst="line">
+              <a:avLst/>
+            </a:prstGeom>
+            <a:ln w="28575"/>
+          </p:spPr>
+          <p:style>
+            <a:lnRef idx="1">
+              <a:schemeClr val="dk1"/>
+            </a:lnRef>
+            <a:fillRef idx="0">
+              <a:schemeClr val="dk1"/>
+            </a:fillRef>
+            <a:effectRef idx="0">
+              <a:schemeClr val="dk1"/>
+            </a:effectRef>
+            <a:fontRef idx="minor">
+              <a:schemeClr val="tx1"/>
+            </a:fontRef>
+          </p:style>
+        </p:cxnSp>
+      </p:grpSp>
+      <p:cxnSp>
+        <p:nvCxnSpPr>
+          <p:cNvPr id="69" name="Straight Connector 68"/>
+          <p:cNvCxnSpPr/>
+          <p:nvPr/>
+        </p:nvCxnSpPr>
+        <p:spPr>
+          <a:xfrm flipV="1">
+            <a:off x="8010933" y="2941031"/>
+            <a:ext cx="754424" cy="2"/>
+          </a:xfrm>
+          <a:prstGeom prst="line">
+            <a:avLst/>
+          </a:prstGeom>
+          <a:ln>
+            <a:solidFill>
+              <a:srgbClr val="FF0000"/>
+            </a:solidFill>
+            <a:prstDash val="sysDash"/>
+          </a:ln>
+        </p:spPr>
+        <p:style>
+          <a:lnRef idx="3">
+            <a:schemeClr val="accent2"/>
+          </a:lnRef>
+          <a:fillRef idx="0">
+            <a:schemeClr val="accent2"/>
+          </a:fillRef>
+          <a:effectRef idx="2">
+            <a:schemeClr val="accent2"/>
+          </a:effectRef>
+          <a:fontRef idx="minor">
+            <a:schemeClr val="tx1"/>
+          </a:fontRef>
+        </p:style>
+      </p:cxnSp>
+      <p:cxnSp>
+        <p:nvCxnSpPr>
+          <p:cNvPr id="73" name="Straight Connector 72"/>
+          <p:cNvCxnSpPr/>
+          <p:nvPr/>
+        </p:nvCxnSpPr>
+        <p:spPr>
+          <a:xfrm flipV="1">
+            <a:off x="9619081" y="2941031"/>
+            <a:ext cx="754424" cy="2"/>
+          </a:xfrm>
+          <a:prstGeom prst="line">
+            <a:avLst/>
+          </a:prstGeom>
+          <a:ln>
+            <a:solidFill>
+              <a:srgbClr val="FF0000"/>
+            </a:solidFill>
+            <a:prstDash val="sysDash"/>
+          </a:ln>
+        </p:spPr>
+        <p:style>
+          <a:lnRef idx="3">
+            <a:schemeClr val="accent2"/>
+          </a:lnRef>
+          <a:fillRef idx="0">
+            <a:schemeClr val="accent2"/>
+          </a:fillRef>
+          <a:effectRef idx="2">
+            <a:schemeClr val="accent2"/>
+          </a:effectRef>
+          <a:fontRef idx="minor">
+            <a:schemeClr val="tx1"/>
+          </a:fontRef>
+        </p:style>
+      </p:cxnSp>
+      <p:cxnSp>
+        <p:nvCxnSpPr>
+          <p:cNvPr id="63" name="Straight Arrow Connector 62"/>
+          <p:cNvCxnSpPr/>
+          <p:nvPr/>
+        </p:nvCxnSpPr>
+        <p:spPr>
+          <a:xfrm>
+            <a:off x="10349370" y="2941031"/>
+            <a:ext cx="528180" cy="0"/>
+          </a:xfrm>
+          <a:prstGeom prst="straightConnector1">
+            <a:avLst/>
+          </a:prstGeom>
+          <a:ln w="19050">
+            <a:solidFill>
+              <a:srgbClr val="FF0000"/>
+            </a:solidFill>
+            <a:tailEnd type="triangle"/>
+          </a:ln>
+        </p:spPr>
+        <p:style>
+          <a:lnRef idx="1">
+            <a:schemeClr val="accent1"/>
+          </a:lnRef>
+          <a:fillRef idx="0">
+            <a:schemeClr val="accent1"/>
+          </a:fillRef>
+          <a:effectRef idx="0">
+            <a:schemeClr val="accent1"/>
+          </a:effectRef>
+          <a:fontRef idx="minor">
+            <a:schemeClr val="tx1"/>
+          </a:fontRef>
+        </p:style>
+      </p:cxnSp>
+      <p:sp>
+        <p:nvSpPr>
+          <p:cNvPr id="75" name="TextBox 74"/>
+          <p:cNvSpPr txBox="1"/>
+          <p:nvPr/>
+        </p:nvSpPr>
+        <p:spPr>
+          <a:xfrm>
+            <a:off x="10771779" y="2617865"/>
+            <a:ext cx="1302793" cy="646331"/>
+          </a:xfrm>
+          <a:prstGeom prst="rect">
+            <a:avLst/>
+          </a:prstGeom>
+          <a:noFill/>
+        </p:spPr>
+        <p:txBody>
+          <a:bodyPr wrap="none" rtlCol="0">
+            <a:spAutoFit/>
+          </a:bodyPr>
+          <a:lstStyle/>
+          <a:p>
+            <a:pPr algn="ctr"/>
+            <a:r>
+              <a:rPr lang="en-US" dirty="0" smtClean="0"/>
+              <a:t>Transmitted</a:t>
+            </a:r>
+          </a:p>
+          <a:p>
+            <a:pPr algn="ctr"/>
+            <a:r>
+              <a:rPr lang="en-US" dirty="0" smtClean="0"/>
+              <a:t>Signal</a:t>
+            </a:r>
+            <a:endParaRPr lang="en-US" dirty="0"/>
+          </a:p>
+        </p:txBody>
+      </p:sp>
     </p:spTree>
     <p:extLst>
       <p:ext uri="{BB962C8B-B14F-4D97-AF65-F5344CB8AC3E}">
@@ -3612,6 +3860,13 @@
   <p:clrMapOvr>
     <a:masterClrMapping/>
   </p:clrMapOvr>
+  <p:timing>
+    <p:tnLst>
+      <p:par>
+        <p:cTn id="1" dur="indefinite" restart="never" nodeType="tmRoot"/>
+      </p:par>
+    </p:tnLst>
+  </p:timing>
 </p:sld>
 </file>
 
